--- a/Case Study On E-Stock Market.pptx
+++ b/Case Study On E-Stock Market.pptx
@@ -124,10 +124,25 @@
   <pc:docChgLst>
     <pc:chgData name="Devanshi Joshi" userId="9466021e4b853519" providerId="LiveId" clId="{6013D9CB-22EF-47C2-A763-FEA6930546D8}"/>
     <pc:docChg chg="modSld">
-      <pc:chgData name="Devanshi Joshi" userId="9466021e4b853519" providerId="LiveId" clId="{6013D9CB-22EF-47C2-A763-FEA6930546D8}" dt="2022-07-20T09:09:38.773" v="9" actId="1076"/>
+      <pc:chgData name="Devanshi Joshi" userId="9466021e4b853519" providerId="LiveId" clId="{6013D9CB-22EF-47C2-A763-FEA6930546D8}" dt="2022-07-24T13:21:07.705" v="78" actId="20577"/>
       <pc:docMkLst>
         <pc:docMk/>
       </pc:docMkLst>
+      <pc:sldChg chg="modSp mod">
+        <pc:chgData name="Devanshi Joshi" userId="9466021e4b853519" providerId="LiveId" clId="{6013D9CB-22EF-47C2-A763-FEA6930546D8}" dt="2022-07-24T13:21:07.705" v="78" actId="20577"/>
+        <pc:sldMkLst>
+          <pc:docMk/>
+          <pc:sldMk cId="3510968276" sldId="261"/>
+        </pc:sldMkLst>
+        <pc:spChg chg="mod">
+          <ac:chgData name="Devanshi Joshi" userId="9466021e4b853519" providerId="LiveId" clId="{6013D9CB-22EF-47C2-A763-FEA6930546D8}" dt="2022-07-24T13:21:07.705" v="78" actId="20577"/>
+          <ac:spMkLst>
+            <pc:docMk/>
+            <pc:sldMk cId="3510968276" sldId="261"/>
+            <ac:spMk id="2" creationId="{38B3355B-969C-4A25-9CD2-D74D4327AF7A}"/>
+          </ac:spMkLst>
+        </pc:spChg>
+      </pc:sldChg>
       <pc:sldChg chg="modSp mod">
         <pc:chgData name="Devanshi Joshi" userId="9466021e4b853519" providerId="LiveId" clId="{6013D9CB-22EF-47C2-A763-FEA6930546D8}" dt="2022-07-20T09:09:38.773" v="9" actId="1076"/>
         <pc:sldMkLst>
@@ -11620,7 +11635,7 @@
           <a:p>
             <a:fld id="{5FE31279-E80C-4272-9A2E-4E8019CAC644}" type="datetimeFigureOut">
               <a:rPr lang="en-IN" smtClean="0"/>
-              <a:t>20-07-2022</a:t>
+              <a:t>24-07-2022</a:t>
             </a:fld>
             <a:endParaRPr lang="en-IN"/>
           </a:p>
@@ -11827,7 +11842,7 @@
           <a:p>
             <a:fld id="{5FE31279-E80C-4272-9A2E-4E8019CAC644}" type="datetimeFigureOut">
               <a:rPr lang="en-IN" smtClean="0"/>
-              <a:t>20-07-2022</a:t>
+              <a:t>24-07-2022</a:t>
             </a:fld>
             <a:endParaRPr lang="en-IN"/>
           </a:p>
@@ -12007,7 +12022,7 @@
           <a:p>
             <a:fld id="{5FE31279-E80C-4272-9A2E-4E8019CAC644}" type="datetimeFigureOut">
               <a:rPr lang="en-IN" smtClean="0"/>
-              <a:t>20-07-2022</a:t>
+              <a:t>24-07-2022</a:t>
             </a:fld>
             <a:endParaRPr lang="en-IN"/>
           </a:p>
@@ -12212,7 +12227,7 @@
           <a:p>
             <a:fld id="{5FE31279-E80C-4272-9A2E-4E8019CAC644}" type="datetimeFigureOut">
               <a:rPr lang="en-IN" smtClean="0"/>
-              <a:t>20-07-2022</a:t>
+              <a:t>24-07-2022</a:t>
             </a:fld>
             <a:endParaRPr lang="en-IN"/>
           </a:p>
@@ -21110,7 +21125,7 @@
           <a:p>
             <a:fld id="{5FE31279-E80C-4272-9A2E-4E8019CAC644}" type="datetimeFigureOut">
               <a:rPr lang="en-IN" smtClean="0"/>
-              <a:t>20-07-2022</a:t>
+              <a:t>24-07-2022</a:t>
             </a:fld>
             <a:endParaRPr lang="en-IN"/>
           </a:p>
@@ -21384,7 +21399,7 @@
           <a:p>
             <a:fld id="{5FE31279-E80C-4272-9A2E-4E8019CAC644}" type="datetimeFigureOut">
               <a:rPr lang="en-IN" smtClean="0"/>
-              <a:t>20-07-2022</a:t>
+              <a:t>24-07-2022</a:t>
             </a:fld>
             <a:endParaRPr lang="en-IN"/>
           </a:p>
@@ -21782,7 +21797,7 @@
           <a:p>
             <a:fld id="{5FE31279-E80C-4272-9A2E-4E8019CAC644}" type="datetimeFigureOut">
               <a:rPr lang="en-IN" smtClean="0"/>
-              <a:t>20-07-2022</a:t>
+              <a:t>24-07-2022</a:t>
             </a:fld>
             <a:endParaRPr lang="en-IN"/>
           </a:p>
@@ -21900,7 +21915,7 @@
           <a:p>
             <a:fld id="{5FE31279-E80C-4272-9A2E-4E8019CAC644}" type="datetimeFigureOut">
               <a:rPr lang="en-IN" smtClean="0"/>
-              <a:t>20-07-2022</a:t>
+              <a:t>24-07-2022</a:t>
             </a:fld>
             <a:endParaRPr lang="en-IN"/>
           </a:p>
@@ -21995,7 +22010,7 @@
           <a:p>
             <a:fld id="{5FE31279-E80C-4272-9A2E-4E8019CAC644}" type="datetimeFigureOut">
               <a:rPr lang="en-IN" smtClean="0"/>
-              <a:t>20-07-2022</a:t>
+              <a:t>24-07-2022</a:t>
             </a:fld>
             <a:endParaRPr lang="en-IN"/>
           </a:p>
@@ -22285,7 +22300,7 @@
           <a:p>
             <a:fld id="{5FE31279-E80C-4272-9A2E-4E8019CAC644}" type="datetimeFigureOut">
               <a:rPr lang="en-IN" smtClean="0"/>
-              <a:t>20-07-2022</a:t>
+              <a:t>24-07-2022</a:t>
             </a:fld>
             <a:endParaRPr lang="en-IN"/>
           </a:p>
@@ -22565,7 +22580,7 @@
           <a:p>
             <a:fld id="{5FE31279-E80C-4272-9A2E-4E8019CAC644}" type="datetimeFigureOut">
               <a:rPr lang="en-IN" smtClean="0"/>
-              <a:t>20-07-2022</a:t>
+              <a:t>24-07-2022</a:t>
             </a:fld>
             <a:endParaRPr lang="en-IN"/>
           </a:p>
@@ -22815,7 +22830,7 @@
           <a:p>
             <a:fld id="{5FE31279-E80C-4272-9A2E-4E8019CAC644}" type="datetimeFigureOut">
               <a:rPr lang="en-IN" smtClean="0"/>
-              <a:t>20-07-2022</a:t>
+              <a:t>24-07-2022</a:t>
             </a:fld>
             <a:endParaRPr lang="en-IN"/>
           </a:p>
@@ -26392,7 +26407,7 @@
               </a:buClr>
             </a:pPr>
             <a:r>
-              <a:rPr lang="en-US" b="1"/>
+              <a:rPr lang="en-US" b="1" dirty="0"/>
               <a:t>Features :-</a:t>
             </a:r>
           </a:p>
@@ -26411,8 +26426,8 @@
               <a:buAutoNum type="arabicPeriod"/>
             </a:pPr>
             <a:r>
-              <a:rPr lang="en-US"/>
-              <a:t>Company and Customer can register and add details.</a:t>
+              <a:rPr lang="en-US" dirty="0"/>
+              <a:t>Company can register and add details.</a:t>
             </a:r>
           </a:p>
           <a:p>
@@ -26430,7 +26445,7 @@
               <a:buAutoNum type="arabicPeriod"/>
             </a:pPr>
             <a:r>
-              <a:rPr lang="en-US"/>
+              <a:rPr lang="en-US" dirty="0"/>
               <a:t>Company can add stock details.</a:t>
             </a:r>
           </a:p>
@@ -26449,8 +26464,8 @@
               <a:buAutoNum type="arabicPeriod"/>
             </a:pPr>
             <a:r>
-              <a:rPr lang="en-US"/>
-              <a:t>User can buy share.</a:t>
+              <a:rPr lang="en-US" dirty="0"/>
+              <a:t>User can get information about Stocks.</a:t>
             </a:r>
           </a:p>
           <a:p>
@@ -26468,8 +26483,8 @@
               <a:buAutoNum type="arabicPeriod"/>
             </a:pPr>
             <a:r>
-              <a:rPr lang="en-US"/>
-              <a:t>Stock and Company details are available.</a:t>
+              <a:rPr lang="en-US" dirty="0"/>
+              <a:t>User can get the Company details.</a:t>
             </a:r>
           </a:p>
           <a:p>
@@ -26487,7 +26502,7 @@
               <a:buAutoNum type="arabicPeriod"/>
             </a:pPr>
             <a:r>
-              <a:rPr lang="en-US"/>
+              <a:rPr lang="en-US" dirty="0"/>
               <a:t>Company can remove the company details.</a:t>
             </a:r>
           </a:p>
@@ -26503,7 +26518,7 @@
                 <a:schemeClr val="accent1"/>
               </a:buClr>
             </a:pPr>
-            <a:endParaRPr lang="en-US" b="1"/>
+            <a:endParaRPr lang="en-US" b="1" dirty="0"/>
           </a:p>
           <a:p>
             <a:pPr defTabSz="914400">
@@ -26517,7 +26532,7 @@
                 <a:schemeClr val="accent1"/>
               </a:buClr>
             </a:pPr>
-            <a:endParaRPr lang="en-US" b="1"/>
+            <a:endParaRPr lang="en-US" b="1" dirty="0"/>
           </a:p>
           <a:p>
             <a:pPr defTabSz="914400">
@@ -26531,7 +26546,7 @@
                 <a:schemeClr val="accent1"/>
               </a:buClr>
             </a:pPr>
-            <a:endParaRPr lang="en-US"/>
+            <a:endParaRPr lang="en-US" dirty="0"/>
           </a:p>
         </p:txBody>
       </p:sp>
